--- a/VASE template for design science.pptx
+++ b/VASE template for design science.pptx
@@ -4602,54 +4602,7 @@
                     <a:schemeClr val="dk1"/>
                   </a:solidFill>
                 </a:rPr>
-                <a:t>(Socio)</a:t>
-              </a:r>
-              <a:r>
-                <a:rPr lang="sv" sz="1800" b="1" i="1" dirty="0" smtClean="0">
-                  <a:solidFill>
-                    <a:schemeClr val="dk1"/>
-                  </a:solidFill>
-                </a:rPr>
-                <a:t>Technological rule</a:t>
-              </a:r>
-              <a:r>
-                <a:rPr lang="en-CA" sz="1800" b="1" i="1" dirty="0" smtClean="0">
-                  <a:solidFill>
-                    <a:schemeClr val="dk1"/>
-                  </a:solidFill>
-                </a:rPr>
-                <a:t> or the Takeaway in this form</a:t>
-              </a:r>
-              <a:r>
-                <a:rPr lang="sv" sz="1800" b="1" i="1" dirty="0" smtClean="0">
-                  <a:solidFill>
-                    <a:schemeClr val="dk1"/>
-                  </a:solidFill>
-                </a:rPr>
-                <a:t>: </a:t>
-              </a:r>
-              <a:r>
-                <a:rPr lang="sv" sz="1800" b="1" dirty="0">
-                  <a:solidFill>
-                    <a:schemeClr val="dk1"/>
-                  </a:solidFill>
-                </a:rPr>
-                <a:t/>
-              </a:r>
-              <a:br>
-                <a:rPr lang="sv" sz="1800" b="1" dirty="0">
-                  <a:solidFill>
-                    <a:schemeClr val="dk1"/>
-                  </a:solidFill>
-                </a:rPr>
-              </a:br>
-              <a:r>
-                <a:rPr lang="en-CA" sz="1800" b="1" dirty="0" smtClean="0">
-                  <a:solidFill>
-                    <a:schemeClr val="dk1"/>
-                  </a:solidFill>
-                </a:rPr>
-                <a:t>	</a:t>
+                <a:t>Takeaway: </a:t>
               </a:r>
               <a:r>
                 <a:rPr lang="sv" sz="1800" b="1" dirty="0" smtClean="0">
